--- a/Images/SI12.pptx
+++ b/Images/SI12.pptx
@@ -243,7 +243,7 @@
           <a:p>
             <a:fld id="{DAF893F0-10B0-447B-BEF1-194A0B612EFC}" type="datetimeFigureOut">
               <a:rPr lang="en-US" smtClean="0"/>
-              <a:t>10/27/2021</a:t>
+              <a:t>10/28/2021</a:t>
             </a:fld>
             <a:endParaRPr lang="en-US"/>
           </a:p>
@@ -413,7 +413,7 @@
           <a:p>
             <a:fld id="{DAF893F0-10B0-447B-BEF1-194A0B612EFC}" type="datetimeFigureOut">
               <a:rPr lang="en-US" smtClean="0"/>
-              <a:t>10/27/2021</a:t>
+              <a:t>10/28/2021</a:t>
             </a:fld>
             <a:endParaRPr lang="en-US"/>
           </a:p>
@@ -593,7 +593,7 @@
           <a:p>
             <a:fld id="{DAF893F0-10B0-447B-BEF1-194A0B612EFC}" type="datetimeFigureOut">
               <a:rPr lang="en-US" smtClean="0"/>
-              <a:t>10/27/2021</a:t>
+              <a:t>10/28/2021</a:t>
             </a:fld>
             <a:endParaRPr lang="en-US"/>
           </a:p>
@@ -763,7 +763,7 @@
           <a:p>
             <a:fld id="{DAF893F0-10B0-447B-BEF1-194A0B612EFC}" type="datetimeFigureOut">
               <a:rPr lang="en-US" smtClean="0"/>
-              <a:t>10/27/2021</a:t>
+              <a:t>10/28/2021</a:t>
             </a:fld>
             <a:endParaRPr lang="en-US"/>
           </a:p>
@@ -1007,7 +1007,7 @@
           <a:p>
             <a:fld id="{DAF893F0-10B0-447B-BEF1-194A0B612EFC}" type="datetimeFigureOut">
               <a:rPr lang="en-US" smtClean="0"/>
-              <a:t>10/27/2021</a:t>
+              <a:t>10/28/2021</a:t>
             </a:fld>
             <a:endParaRPr lang="en-US"/>
           </a:p>
@@ -1239,7 +1239,7 @@
           <a:p>
             <a:fld id="{DAF893F0-10B0-447B-BEF1-194A0B612EFC}" type="datetimeFigureOut">
               <a:rPr lang="en-US" smtClean="0"/>
-              <a:t>10/27/2021</a:t>
+              <a:t>10/28/2021</a:t>
             </a:fld>
             <a:endParaRPr lang="en-US"/>
           </a:p>
@@ -1606,7 +1606,7 @@
           <a:p>
             <a:fld id="{DAF893F0-10B0-447B-BEF1-194A0B612EFC}" type="datetimeFigureOut">
               <a:rPr lang="en-US" smtClean="0"/>
-              <a:t>10/27/2021</a:t>
+              <a:t>10/28/2021</a:t>
             </a:fld>
             <a:endParaRPr lang="en-US"/>
           </a:p>
@@ -1724,7 +1724,7 @@
           <a:p>
             <a:fld id="{DAF893F0-10B0-447B-BEF1-194A0B612EFC}" type="datetimeFigureOut">
               <a:rPr lang="en-US" smtClean="0"/>
-              <a:t>10/27/2021</a:t>
+              <a:t>10/28/2021</a:t>
             </a:fld>
             <a:endParaRPr lang="en-US"/>
           </a:p>
@@ -1819,7 +1819,7 @@
           <a:p>
             <a:fld id="{DAF893F0-10B0-447B-BEF1-194A0B612EFC}" type="datetimeFigureOut">
               <a:rPr lang="en-US" smtClean="0"/>
-              <a:t>10/27/2021</a:t>
+              <a:t>10/28/2021</a:t>
             </a:fld>
             <a:endParaRPr lang="en-US"/>
           </a:p>
@@ -2096,7 +2096,7 @@
           <a:p>
             <a:fld id="{DAF893F0-10B0-447B-BEF1-194A0B612EFC}" type="datetimeFigureOut">
               <a:rPr lang="en-US" smtClean="0"/>
-              <a:t>10/27/2021</a:t>
+              <a:t>10/28/2021</a:t>
             </a:fld>
             <a:endParaRPr lang="en-US"/>
           </a:p>
@@ -2353,7 +2353,7 @@
           <a:p>
             <a:fld id="{DAF893F0-10B0-447B-BEF1-194A0B612EFC}" type="datetimeFigureOut">
               <a:rPr lang="en-US" smtClean="0"/>
-              <a:t>10/27/2021</a:t>
+              <a:t>10/28/2021</a:t>
             </a:fld>
             <a:endParaRPr lang="en-US"/>
           </a:p>
@@ -2566,7 +2566,7 @@
           <a:p>
             <a:fld id="{DAF893F0-10B0-447B-BEF1-194A0B612EFC}" type="datetimeFigureOut">
               <a:rPr lang="en-US" smtClean="0"/>
-              <a:t>10/27/2021</a:t>
+              <a:t>10/28/2021</a:t>
             </a:fld>
             <a:endParaRPr lang="en-US"/>
           </a:p>
@@ -2986,9 +2986,9 @@
         <p:grpSpPr>
           <a:xfrm>
             <a:off x="275309" y="213683"/>
-            <a:ext cx="11336581" cy="17963901"/>
+            <a:ext cx="11336581" cy="17998756"/>
             <a:chOff x="77043" y="463547"/>
-            <a:chExt cx="11089445" cy="17727565"/>
+            <a:chExt cx="11089445" cy="17761961"/>
           </a:xfrm>
         </p:grpSpPr>
         <p:pic>
@@ -3344,23 +3344,48 @@
             </a:bodyPr>
             <a:lstStyle/>
             <a:p>
-              <a:pPr algn="ctr"/>
+              <a:pPr marL="0" marR="0" algn="ctr">
+                <a:lnSpc>
+                  <a:spcPct val="107000"/>
+                </a:lnSpc>
+                <a:spcBef>
+                  <a:spcPts val="0"/>
+                </a:spcBef>
+                <a:spcAft>
+                  <a:spcPts val="800"/>
+                </a:spcAft>
+              </a:pPr>
               <a:r>
-                <a:rPr lang="en-US" sz="1875" dirty="0">
+                <a:rPr lang="en-US" sz="1800" dirty="0">
+                  <a:effectLst/>
                   <a:latin typeface="Times New Roman" panose="02020603050405020304" pitchFamily="18" charset="0"/>
                   <a:ea typeface="Calibri" panose="020F0502020204030204" pitchFamily="34" charset="0"/>
+                  <a:cs typeface="Times New Roman" panose="02020603050405020304" pitchFamily="18" charset="0"/>
                 </a:rPr>
                 <a:t>p</a:t>
               </a:r>
               <a:r>
-                <a:rPr lang="en-US" sz="1875" baseline="-25000" dirty="0">
+                <a:rPr lang="en-US" sz="1800" baseline="-25000" dirty="0">
+                  <a:effectLst/>
                   <a:latin typeface="Times New Roman" panose="02020603050405020304" pitchFamily="18" charset="0"/>
                   <a:ea typeface="Calibri" panose="020F0502020204030204" pitchFamily="34" charset="0"/>
+                  <a:cs typeface="Times New Roman" panose="02020603050405020304" pitchFamily="18" charset="0"/>
+                </a:rPr>
+                <a:t>ij</a:t>
+              </a:r>
+              <a:r>
+                <a:rPr lang="en-US" sz="1800" baseline="30000" dirty="0">
+                  <a:effectLst/>
+                  <a:latin typeface="Times New Roman" panose="02020603050405020304" pitchFamily="18" charset="0"/>
+                  <a:ea typeface="Calibri" panose="020F0502020204030204" pitchFamily="34" charset="0"/>
+                  <a:cs typeface="Times New Roman" panose="02020603050405020304" pitchFamily="18" charset="0"/>
                 </a:rPr>
                 <a:t>conditional</a:t>
               </a:r>
-              <a:endParaRPr lang="en-US" sz="1875" dirty="0">
-                <a:latin typeface="Times New Roman" panose="02020603050405020304" pitchFamily="18" charset="0"/>
+              <a:endParaRPr lang="en-US" sz="1800" dirty="0">
+                <a:effectLst/>
+                <a:latin typeface="Calibri" panose="020F0502020204030204" pitchFamily="34" charset="0"/>
+                <a:ea typeface="Calibri" panose="020F0502020204030204" pitchFamily="34" charset="0"/>
                 <a:cs typeface="Times New Roman" panose="02020603050405020304" pitchFamily="18" charset="0"/>
               </a:endParaRPr>
             </a:p>
@@ -3579,23 +3604,48 @@
             </a:bodyPr>
             <a:lstStyle/>
             <a:p>
-              <a:pPr algn="ctr"/>
+              <a:pPr marL="0" marR="0" algn="ctr">
+                <a:lnSpc>
+                  <a:spcPct val="107000"/>
+                </a:lnSpc>
+                <a:spcBef>
+                  <a:spcPts val="0"/>
+                </a:spcBef>
+                <a:spcAft>
+                  <a:spcPts val="800"/>
+                </a:spcAft>
+              </a:pPr>
               <a:r>
-                <a:rPr lang="en-US" sz="1875" dirty="0">
+                <a:rPr lang="en-US" sz="1800" dirty="0">
+                  <a:effectLst/>
                   <a:latin typeface="Times New Roman" panose="02020603050405020304" pitchFamily="18" charset="0"/>
                   <a:ea typeface="Calibri" panose="020F0502020204030204" pitchFamily="34" charset="0"/>
+                  <a:cs typeface="Times New Roman" panose="02020603050405020304" pitchFamily="18" charset="0"/>
                 </a:rPr>
                 <a:t>p</a:t>
               </a:r>
               <a:r>
-                <a:rPr lang="en-US" sz="1875" baseline="-25000" dirty="0">
+                <a:rPr lang="en-US" sz="1800" baseline="-25000" dirty="0">
+                  <a:effectLst/>
                   <a:latin typeface="Times New Roman" panose="02020603050405020304" pitchFamily="18" charset="0"/>
                   <a:ea typeface="Calibri" panose="020F0502020204030204" pitchFamily="34" charset="0"/>
+                  <a:cs typeface="Times New Roman" panose="02020603050405020304" pitchFamily="18" charset="0"/>
+                </a:rPr>
+                <a:t>ij</a:t>
+              </a:r>
+              <a:r>
+                <a:rPr lang="en-US" sz="1800" baseline="30000" dirty="0">
+                  <a:effectLst/>
+                  <a:latin typeface="Times New Roman" panose="02020603050405020304" pitchFamily="18" charset="0"/>
+                  <a:ea typeface="Calibri" panose="020F0502020204030204" pitchFamily="34" charset="0"/>
+                  <a:cs typeface="Times New Roman" panose="02020603050405020304" pitchFamily="18" charset="0"/>
                 </a:rPr>
                 <a:t>conditional</a:t>
               </a:r>
-              <a:endParaRPr lang="en-US" sz="1875" dirty="0">
-                <a:latin typeface="Times New Roman" panose="02020603050405020304" pitchFamily="18" charset="0"/>
+              <a:endParaRPr lang="en-US" sz="1800" dirty="0">
+                <a:effectLst/>
+                <a:latin typeface="Calibri" panose="020F0502020204030204" pitchFamily="34" charset="0"/>
+                <a:ea typeface="Calibri" panose="020F0502020204030204" pitchFamily="34" charset="0"/>
                 <a:cs typeface="Times New Roman" panose="02020603050405020304" pitchFamily="18" charset="0"/>
               </a:endParaRPr>
             </a:p>
@@ -3839,7 +3889,7 @@
           <p:spPr>
             <a:xfrm>
               <a:off x="7265486" y="17825474"/>
-              <a:ext cx="2622791" cy="365638"/>
+              <a:ext cx="2622791" cy="400034"/>
             </a:xfrm>
             <a:prstGeom prst="rect">
               <a:avLst/>
@@ -3854,23 +3904,48 @@
             </a:bodyPr>
             <a:lstStyle/>
             <a:p>
-              <a:pPr algn="ctr"/>
+              <a:pPr marL="0" marR="0" algn="ctr">
+                <a:lnSpc>
+                  <a:spcPct val="107000"/>
+                </a:lnSpc>
+                <a:spcBef>
+                  <a:spcPts val="0"/>
+                </a:spcBef>
+                <a:spcAft>
+                  <a:spcPts val="800"/>
+                </a:spcAft>
+              </a:pPr>
               <a:r>
-                <a:rPr lang="en-US" sz="1875" dirty="0">
+                <a:rPr lang="en-US" sz="2000" dirty="0">
+                  <a:effectLst/>
                   <a:latin typeface="Times New Roman" panose="02020603050405020304" pitchFamily="18" charset="0"/>
                   <a:ea typeface="Calibri" panose="020F0502020204030204" pitchFamily="34" charset="0"/>
+                  <a:cs typeface="Times New Roman" panose="02020603050405020304" pitchFamily="18" charset="0"/>
                 </a:rPr>
                 <a:t>p</a:t>
               </a:r>
               <a:r>
-                <a:rPr lang="en-US" sz="1875" baseline="-25000" dirty="0">
+                <a:rPr lang="en-US" sz="2000" baseline="-25000" dirty="0">
+                  <a:effectLst/>
                   <a:latin typeface="Times New Roman" panose="02020603050405020304" pitchFamily="18" charset="0"/>
                   <a:ea typeface="Calibri" panose="020F0502020204030204" pitchFamily="34" charset="0"/>
+                  <a:cs typeface="Times New Roman" panose="02020603050405020304" pitchFamily="18" charset="0"/>
+                </a:rPr>
+                <a:t>ij</a:t>
+              </a:r>
+              <a:r>
+                <a:rPr lang="en-US" sz="2000" baseline="30000" dirty="0">
+                  <a:effectLst/>
+                  <a:latin typeface="Times New Roman" panose="02020603050405020304" pitchFamily="18" charset="0"/>
+                  <a:ea typeface="Calibri" panose="020F0502020204030204" pitchFamily="34" charset="0"/>
+                  <a:cs typeface="Times New Roman" panose="02020603050405020304" pitchFamily="18" charset="0"/>
                 </a:rPr>
                 <a:t>conditional</a:t>
               </a:r>
-              <a:endParaRPr lang="en-US" sz="1875" dirty="0">
-                <a:latin typeface="Times New Roman" panose="02020603050405020304" pitchFamily="18" charset="0"/>
+              <a:endParaRPr lang="en-US" sz="2000" dirty="0">
+                <a:effectLst/>
+                <a:latin typeface="Calibri" panose="020F0502020204030204" pitchFamily="34" charset="0"/>
+                <a:ea typeface="Calibri" panose="020F0502020204030204" pitchFamily="34" charset="0"/>
                 <a:cs typeface="Times New Roman" panose="02020603050405020304" pitchFamily="18" charset="0"/>
               </a:endParaRPr>
             </a:p>
